--- a/section07/포켓몬 도감 사이트 분석.pptx
+++ b/section07/포켓몬 도감 사이트 분석.pptx
@@ -5,12 +5,13 @@
     <p:sldMasterId id="2147483648" r:id="rId1"/>
   </p:sldMasterIdLst>
   <p:notesMasterIdLst>
-    <p:notesMasterId r:id="rId5"/>
+    <p:notesMasterId r:id="rId6"/>
   </p:notesMasterIdLst>
   <p:sldIdLst>
     <p:sldId id="257" r:id="rId2"/>
     <p:sldId id="258" r:id="rId3"/>
     <p:sldId id="256" r:id="rId4"/>
+    <p:sldId id="259" r:id="rId5"/>
   </p:sldIdLst>
   <p:sldSz cx="12192000" cy="6858000"/>
   <p:notesSz cx="6858000" cy="9144000"/>
@@ -109,6 +110,11 @@
       </a:defRPr>
     </a:lvl9pPr>
   </p:defaultTextStyle>
+  <p:extLst>
+    <p:ext uri="{EFAFB233-063F-42B5-8137-9DF3F51BA10A}">
+      <p15:sldGuideLst xmlns:p15="http://schemas.microsoft.com/office/powerpoint/2012/main"/>
+    </p:ext>
+  </p:extLst>
 </p:presentation>
 </file>
 
@@ -194,7 +200,7 @@
           <a:p>
             <a:fld id="{182B0C6A-5154-4398-8132-83915C3D1F9F}" type="datetimeFigureOut">
               <a:rPr lang="ko-KR" altLang="en-US" smtClean="0"/>
-              <a:t>2025-07-03</a:t>
+              <a:t>2025-07-04</a:t>
             </a:fld>
             <a:endParaRPr lang="ko-KR" altLang="en-US"/>
           </a:p>
@@ -692,7 +698,7 @@
           <a:p>
             <a:fld id="{B27CCF9F-94DB-4486-97CC-8A7100E8DEF0}" type="datetimeFigureOut">
               <a:rPr lang="ko-KR" altLang="en-US" smtClean="0"/>
-              <a:t>2025-07-03</a:t>
+              <a:t>2025-07-04</a:t>
             </a:fld>
             <a:endParaRPr lang="ko-KR" altLang="en-US"/>
           </a:p>
@@ -890,7 +896,7 @@
           <a:p>
             <a:fld id="{B27CCF9F-94DB-4486-97CC-8A7100E8DEF0}" type="datetimeFigureOut">
               <a:rPr lang="ko-KR" altLang="en-US" smtClean="0"/>
-              <a:t>2025-07-03</a:t>
+              <a:t>2025-07-04</a:t>
             </a:fld>
             <a:endParaRPr lang="ko-KR" altLang="en-US"/>
           </a:p>
@@ -1098,7 +1104,7 @@
           <a:p>
             <a:fld id="{B27CCF9F-94DB-4486-97CC-8A7100E8DEF0}" type="datetimeFigureOut">
               <a:rPr lang="ko-KR" altLang="en-US" smtClean="0"/>
-              <a:t>2025-07-03</a:t>
+              <a:t>2025-07-04</a:t>
             </a:fld>
             <a:endParaRPr lang="ko-KR" altLang="en-US"/>
           </a:p>
@@ -1296,7 +1302,7 @@
           <a:p>
             <a:fld id="{B27CCF9F-94DB-4486-97CC-8A7100E8DEF0}" type="datetimeFigureOut">
               <a:rPr lang="ko-KR" altLang="en-US" smtClean="0"/>
-              <a:t>2025-07-03</a:t>
+              <a:t>2025-07-04</a:t>
             </a:fld>
             <a:endParaRPr lang="ko-KR" altLang="en-US"/>
           </a:p>
@@ -1571,7 +1577,7 @@
           <a:p>
             <a:fld id="{B27CCF9F-94DB-4486-97CC-8A7100E8DEF0}" type="datetimeFigureOut">
               <a:rPr lang="ko-KR" altLang="en-US" smtClean="0"/>
-              <a:t>2025-07-03</a:t>
+              <a:t>2025-07-04</a:t>
             </a:fld>
             <a:endParaRPr lang="ko-KR" altLang="en-US"/>
           </a:p>
@@ -1836,7 +1842,7 @@
           <a:p>
             <a:fld id="{B27CCF9F-94DB-4486-97CC-8A7100E8DEF0}" type="datetimeFigureOut">
               <a:rPr lang="ko-KR" altLang="en-US" smtClean="0"/>
-              <a:t>2025-07-03</a:t>
+              <a:t>2025-07-04</a:t>
             </a:fld>
             <a:endParaRPr lang="ko-KR" altLang="en-US"/>
           </a:p>
@@ -2248,7 +2254,7 @@
           <a:p>
             <a:fld id="{B27CCF9F-94DB-4486-97CC-8A7100E8DEF0}" type="datetimeFigureOut">
               <a:rPr lang="ko-KR" altLang="en-US" smtClean="0"/>
-              <a:t>2025-07-03</a:t>
+              <a:t>2025-07-04</a:t>
             </a:fld>
             <a:endParaRPr lang="ko-KR" altLang="en-US"/>
           </a:p>
@@ -2389,7 +2395,7 @@
           <a:p>
             <a:fld id="{B27CCF9F-94DB-4486-97CC-8A7100E8DEF0}" type="datetimeFigureOut">
               <a:rPr lang="ko-KR" altLang="en-US" smtClean="0"/>
-              <a:t>2025-07-03</a:t>
+              <a:t>2025-07-04</a:t>
             </a:fld>
             <a:endParaRPr lang="ko-KR" altLang="en-US"/>
           </a:p>
@@ -2502,7 +2508,7 @@
           <a:p>
             <a:fld id="{B27CCF9F-94DB-4486-97CC-8A7100E8DEF0}" type="datetimeFigureOut">
               <a:rPr lang="ko-KR" altLang="en-US" smtClean="0"/>
-              <a:t>2025-07-03</a:t>
+              <a:t>2025-07-04</a:t>
             </a:fld>
             <a:endParaRPr lang="ko-KR" altLang="en-US"/>
           </a:p>
@@ -2813,7 +2819,7 @@
           <a:p>
             <a:fld id="{B27CCF9F-94DB-4486-97CC-8A7100E8DEF0}" type="datetimeFigureOut">
               <a:rPr lang="ko-KR" altLang="en-US" smtClean="0"/>
-              <a:t>2025-07-03</a:t>
+              <a:t>2025-07-04</a:t>
             </a:fld>
             <a:endParaRPr lang="ko-KR" altLang="en-US"/>
           </a:p>
@@ -3101,7 +3107,7 @@
           <a:p>
             <a:fld id="{B27CCF9F-94DB-4486-97CC-8A7100E8DEF0}" type="datetimeFigureOut">
               <a:rPr lang="ko-KR" altLang="en-US" smtClean="0"/>
-              <a:t>2025-07-03</a:t>
+              <a:t>2025-07-04</a:t>
             </a:fld>
             <a:endParaRPr lang="ko-KR" altLang="en-US"/>
           </a:p>
@@ -3342,7 +3348,7 @@
           <a:p>
             <a:fld id="{B27CCF9F-94DB-4486-97CC-8A7100E8DEF0}" type="datetimeFigureOut">
               <a:rPr lang="ko-KR" altLang="en-US" smtClean="0"/>
-              <a:t>2025-07-03</a:t>
+              <a:t>2025-07-04</a:t>
             </a:fld>
             <a:endParaRPr lang="ko-KR" altLang="en-US"/>
           </a:p>
@@ -3922,7 +3928,7 @@
         <p:spPr>
           <a:xfrm>
             <a:off x="720218" y="267855"/>
-            <a:ext cx="3865420" cy="360000"/>
+            <a:ext cx="2808000" cy="360000"/>
           </a:xfrm>
           <a:prstGeom prst="rect">
             <a:avLst/>
@@ -6601,7 +6607,7 @@
         <p:spPr>
           <a:xfrm>
             <a:off x="720218" y="267855"/>
-            <a:ext cx="3865420" cy="360000"/>
+            <a:ext cx="2808000" cy="360000"/>
           </a:xfrm>
           <a:prstGeom prst="rect">
             <a:avLst/>
@@ -6650,6 +6656,1837 @@
     <p:extLst>
       <p:ext uri="{BB962C8B-B14F-4D97-AF65-F5344CB8AC3E}">
         <p14:creationId xmlns:p14="http://schemas.microsoft.com/office/powerpoint/2010/main" val="3743657538"/>
+      </p:ext>
+    </p:extLst>
+  </p:cSld>
+  <p:clrMapOvr>
+    <a:masterClrMapping/>
+  </p:clrMapOvr>
+</p:sld>
+</file>
+
+<file path=ppt/slides/slide4.xml><?xml version="1.0" encoding="utf-8"?>
+<p:sld xmlns:a="http://schemas.openxmlformats.org/drawingml/2006/main" xmlns:r="http://schemas.openxmlformats.org/officeDocument/2006/relationships" xmlns:p="http://schemas.openxmlformats.org/presentationml/2006/main">
+  <p:cSld>
+    <p:spTree>
+      <p:nvGrpSpPr>
+        <p:cNvPr id="1" name=""/>
+        <p:cNvGrpSpPr/>
+        <p:nvPr/>
+      </p:nvGrpSpPr>
+      <p:grpSpPr>
+        <a:xfrm>
+          <a:off x="0" y="0"/>
+          <a:ext cx="0" cy="0"/>
+          <a:chOff x="0" y="0"/>
+          <a:chExt cx="0" cy="0"/>
+        </a:xfrm>
+      </p:grpSpPr>
+      <p:sp>
+        <p:nvSpPr>
+          <p:cNvPr id="28" name="직사각형 27">
+            <a:extLst>
+              <a:ext uri="{FF2B5EF4-FFF2-40B4-BE49-F238E27FC236}">
+                <a16:creationId xmlns:a16="http://schemas.microsoft.com/office/drawing/2014/main" id="{FC1347B7-3040-80F9-4886-212B46BB91BF}"/>
+              </a:ext>
+            </a:extLst>
+          </p:cNvPr>
+          <p:cNvSpPr/>
+          <p:nvPr/>
+        </p:nvSpPr>
+        <p:spPr>
+          <a:xfrm>
+            <a:off x="2188790" y="886996"/>
+            <a:ext cx="4695069" cy="1258292"/>
+          </a:xfrm>
+          <a:prstGeom prst="rect">
+            <a:avLst/>
+          </a:prstGeom>
+          <a:solidFill>
+            <a:schemeClr val="bg1"/>
+          </a:solidFill>
+          <a:ln>
+            <a:solidFill>
+              <a:srgbClr val="FF00FF"/>
+            </a:solidFill>
+          </a:ln>
+        </p:spPr>
+        <p:style>
+          <a:lnRef idx="2">
+            <a:schemeClr val="accent1">
+              <a:shade val="15000"/>
+            </a:schemeClr>
+          </a:lnRef>
+          <a:fillRef idx="1">
+            <a:schemeClr val="accent1"/>
+          </a:fillRef>
+          <a:effectRef idx="0">
+            <a:schemeClr val="accent1"/>
+          </a:effectRef>
+          <a:fontRef idx="minor">
+            <a:schemeClr val="lt1"/>
+          </a:fontRef>
+        </p:style>
+        <p:txBody>
+          <a:bodyPr lIns="1944000" tIns="46800" rtlCol="0" anchor="ctr"/>
+          <a:lstStyle/>
+          <a:p>
+            <a:pPr>
+              <a:lnSpc>
+                <a:spcPct val="130000"/>
+              </a:lnSpc>
+            </a:pPr>
+            <a:r>
+              <a:rPr lang="ko-KR" altLang="en-US" sz="1600" dirty="0">
+                <a:solidFill>
+                  <a:sysClr val="windowText" lastClr="000000"/>
+                </a:solidFill>
+              </a:rPr>
+              <a:t>사용자가 접속한 </a:t>
+            </a:r>
+            <a:r>
+              <a:rPr lang="en-US" altLang="ko-KR" sz="1600" dirty="0">
+                <a:solidFill>
+                  <a:sysClr val="windowText" lastClr="000000"/>
+                </a:solidFill>
+              </a:rPr>
+              <a:t>URL</a:t>
+            </a:r>
+            <a:r>
+              <a:rPr lang="ko-KR" altLang="en-US" sz="1600" dirty="0">
+                <a:solidFill>
+                  <a:sysClr val="windowText" lastClr="000000"/>
+                </a:solidFill>
+              </a:rPr>
+              <a:t>에 따라 </a:t>
+            </a:r>
+            <a:br>
+              <a:rPr lang="en-US" altLang="ko-KR" sz="1600" dirty="0">
+                <a:solidFill>
+                  <a:sysClr val="windowText" lastClr="000000"/>
+                </a:solidFill>
+              </a:rPr>
+            </a:br>
+            <a:r>
+              <a:rPr lang="en-US" altLang="ko-KR" sz="1600" dirty="0">
+                <a:solidFill>
+                  <a:sysClr val="windowText" lastClr="000000"/>
+                </a:solidFill>
+              </a:rPr>
+              <a:t>header [logo, search]</a:t>
+            </a:r>
+            <a:r>
+              <a:rPr lang="ko-KR" altLang="en-US" sz="1600" dirty="0">
+                <a:solidFill>
+                  <a:sysClr val="windowText" lastClr="000000"/>
+                </a:solidFill>
+              </a:rPr>
+              <a:t>의</a:t>
+            </a:r>
+            <a:r>
+              <a:rPr lang="en-US" altLang="ko-KR" sz="1600" dirty="0">
+                <a:solidFill>
+                  <a:sysClr val="windowText" lastClr="000000"/>
+                </a:solidFill>
+              </a:rPr>
+              <a:t> </a:t>
+            </a:r>
+            <a:br>
+              <a:rPr lang="en-US" altLang="ko-KR" sz="1600" dirty="0">
+                <a:solidFill>
+                  <a:sysClr val="windowText" lastClr="000000"/>
+                </a:solidFill>
+              </a:rPr>
+            </a:br>
+            <a:r>
+              <a:rPr lang="ko-KR" altLang="en-US" sz="1600" dirty="0">
+                <a:solidFill>
+                  <a:sysClr val="windowText" lastClr="000000"/>
+                </a:solidFill>
+              </a:rPr>
+              <a:t>상태</a:t>
+            </a:r>
+            <a:r>
+              <a:rPr lang="en-US" altLang="ko-KR" sz="1600" dirty="0">
+                <a:solidFill>
+                  <a:sysClr val="windowText" lastClr="000000"/>
+                </a:solidFill>
+              </a:rPr>
+              <a:t>(able,</a:t>
+            </a:r>
+            <a:r>
+              <a:rPr lang="ko-KR" altLang="en-US" sz="1600" dirty="0">
+                <a:solidFill>
+                  <a:sysClr val="windowText" lastClr="000000"/>
+                </a:solidFill>
+              </a:rPr>
+              <a:t> </a:t>
+            </a:r>
+            <a:r>
+              <a:rPr lang="en-US" altLang="ko-KR" sz="1600" dirty="0">
+                <a:solidFill>
+                  <a:sysClr val="windowText" lastClr="000000"/>
+                </a:solidFill>
+              </a:rPr>
+              <a:t>disable)</a:t>
+            </a:r>
+            <a:r>
+              <a:rPr lang="ko-KR" altLang="en-US" sz="1600" dirty="0">
+                <a:solidFill>
+                  <a:sysClr val="windowText" lastClr="000000"/>
+                </a:solidFill>
+              </a:rPr>
+              <a:t>가 결정 됨</a:t>
+            </a:r>
+          </a:p>
+        </p:txBody>
+      </p:sp>
+      <p:pic>
+        <p:nvPicPr>
+          <p:cNvPr id="8" name="그림 7">
+            <a:extLst>
+              <a:ext uri="{FF2B5EF4-FFF2-40B4-BE49-F238E27FC236}">
+                <a16:creationId xmlns:a16="http://schemas.microsoft.com/office/drawing/2014/main" id="{979D3C60-EA22-6902-BAE4-712E4EF5DF0A}"/>
+              </a:ext>
+            </a:extLst>
+          </p:cNvPr>
+          <p:cNvPicPr>
+            <a:picLocks noChangeAspect="1"/>
+          </p:cNvPicPr>
+          <p:nvPr/>
+        </p:nvPicPr>
+        <p:blipFill>
+          <a:blip r:embed="rId2"/>
+          <a:stretch>
+            <a:fillRect/>
+          </a:stretch>
+        </p:blipFill>
+        <p:spPr>
+          <a:xfrm>
+            <a:off x="7231654" y="853678"/>
+            <a:ext cx="4695069" cy="2701724"/>
+          </a:xfrm>
+          <a:prstGeom prst="rect">
+            <a:avLst/>
+          </a:prstGeom>
+        </p:spPr>
+      </p:pic>
+      <p:sp>
+        <p:nvSpPr>
+          <p:cNvPr id="17" name="직사각형 16">
+            <a:extLst>
+              <a:ext uri="{FF2B5EF4-FFF2-40B4-BE49-F238E27FC236}">
+                <a16:creationId xmlns:a16="http://schemas.microsoft.com/office/drawing/2014/main" id="{A9C899EC-054D-0069-160C-27C343371820}"/>
+              </a:ext>
+            </a:extLst>
+          </p:cNvPr>
+          <p:cNvSpPr/>
+          <p:nvPr/>
+        </p:nvSpPr>
+        <p:spPr>
+          <a:xfrm>
+            <a:off x="7823862" y="3644985"/>
+            <a:ext cx="4242760" cy="2231938"/>
+          </a:xfrm>
+          <a:prstGeom prst="rect">
+            <a:avLst/>
+          </a:prstGeom>
+          <a:solidFill>
+            <a:schemeClr val="bg1"/>
+          </a:solidFill>
+          <a:ln>
+            <a:solidFill>
+              <a:schemeClr val="accent1"/>
+            </a:solidFill>
+          </a:ln>
+        </p:spPr>
+        <p:style>
+          <a:lnRef idx="2">
+            <a:schemeClr val="accent1">
+              <a:shade val="15000"/>
+            </a:schemeClr>
+          </a:lnRef>
+          <a:fillRef idx="1">
+            <a:schemeClr val="accent1"/>
+          </a:fillRef>
+          <a:effectRef idx="0">
+            <a:schemeClr val="accent1"/>
+          </a:effectRef>
+          <a:fontRef idx="minor">
+            <a:schemeClr val="lt1"/>
+          </a:fontRef>
+        </p:style>
+        <p:txBody>
+          <a:bodyPr tIns="1080000" bIns="108000" rtlCol="0" anchor="b"/>
+          <a:lstStyle/>
+          <a:p>
+            <a:pPr algn="ctr">
+              <a:lnSpc>
+                <a:spcPct val="130000"/>
+              </a:lnSpc>
+            </a:pPr>
+            <a:r>
+              <a:rPr lang="ko-KR" altLang="en-US" sz="1600" dirty="0">
+                <a:solidFill>
+                  <a:sysClr val="windowText" lastClr="000000"/>
+                </a:solidFill>
+              </a:rPr>
+              <a:t>사용자의 </a:t>
+            </a:r>
+            <a:r>
+              <a:rPr lang="en-US" altLang="ko-KR" sz="1600" dirty="0">
+                <a:solidFill>
+                  <a:sysClr val="windowText" lastClr="000000"/>
+                </a:solidFill>
+              </a:rPr>
+              <a:t>onclick </a:t>
+            </a:r>
+            <a:r>
+              <a:rPr lang="ko-KR" altLang="en-US" sz="1600" dirty="0">
+                <a:solidFill>
+                  <a:sysClr val="windowText" lastClr="000000"/>
+                </a:solidFill>
+              </a:rPr>
+              <a:t>이벤트에 의해 </a:t>
+            </a:r>
+            <a:endParaRPr lang="en-US" altLang="ko-KR" sz="1600" dirty="0">
+              <a:solidFill>
+                <a:sysClr val="windowText" lastClr="000000"/>
+              </a:solidFill>
+            </a:endParaRPr>
+          </a:p>
+          <a:p>
+            <a:pPr algn="ctr">
+              <a:lnSpc>
+                <a:spcPct val="130000"/>
+              </a:lnSpc>
+            </a:pPr>
+            <a:r>
+              <a:rPr lang="en-US" altLang="ko-KR" sz="1600" dirty="0">
+                <a:solidFill>
+                  <a:sysClr val="windowText" lastClr="000000"/>
+                </a:solidFill>
+              </a:rPr>
+              <a:t>Detail page</a:t>
+            </a:r>
+            <a:r>
+              <a:rPr lang="ko-KR" altLang="en-US" sz="1600" dirty="0">
+                <a:solidFill>
+                  <a:sysClr val="windowText" lastClr="000000"/>
+                </a:solidFill>
+              </a:rPr>
+              <a:t>의 데이터 값이 결정</a:t>
+            </a:r>
+            <a:r>
+              <a:rPr lang="en-US" altLang="ko-KR" sz="1600" dirty="0">
+                <a:solidFill>
+                  <a:sysClr val="windowText" lastClr="000000"/>
+                </a:solidFill>
+              </a:rPr>
+              <a:t>,</a:t>
+            </a:r>
+          </a:p>
+          <a:p>
+            <a:pPr algn="ctr">
+              <a:lnSpc>
+                <a:spcPct val="130000"/>
+              </a:lnSpc>
+            </a:pPr>
+            <a:r>
+              <a:rPr lang="ko-KR" altLang="en-US" sz="1600" dirty="0">
+                <a:solidFill>
+                  <a:sysClr val="windowText" lastClr="000000"/>
+                </a:solidFill>
+              </a:rPr>
+              <a:t> </a:t>
+            </a:r>
+            <a:r>
+              <a:rPr lang="en-US" altLang="ko-KR" sz="1600" dirty="0">
+                <a:solidFill>
+                  <a:sysClr val="windowText" lastClr="000000"/>
+                </a:solidFill>
+              </a:rPr>
+              <a:t>[</a:t>
+            </a:r>
+            <a:r>
+              <a:rPr lang="en-US" altLang="ko-KR" sz="1600" dirty="0" err="1">
+                <a:solidFill>
+                  <a:sysClr val="windowText" lastClr="000000"/>
+                </a:solidFill>
+              </a:rPr>
+              <a:t>Img</a:t>
+            </a:r>
+            <a:r>
+              <a:rPr lang="en-US" altLang="ko-KR" sz="1600" dirty="0">
+                <a:solidFill>
+                  <a:sysClr val="windowText" lastClr="000000"/>
+                </a:solidFill>
+              </a:rPr>
+              <a:t>, Id, Name, type, description, height, info, weight]</a:t>
+            </a:r>
+            <a:endParaRPr lang="ko-KR" altLang="en-US" sz="1600" dirty="0">
+              <a:solidFill>
+                <a:sysClr val="windowText" lastClr="000000"/>
+              </a:solidFill>
+            </a:endParaRPr>
+          </a:p>
+        </p:txBody>
+      </p:sp>
+      <p:sp>
+        <p:nvSpPr>
+          <p:cNvPr id="2" name="직사각형 1">
+            <a:extLst>
+              <a:ext uri="{FF2B5EF4-FFF2-40B4-BE49-F238E27FC236}">
+                <a16:creationId xmlns:a16="http://schemas.microsoft.com/office/drawing/2014/main" id="{2C2C72B9-696D-C4B4-D918-9B9378859FCB}"/>
+              </a:ext>
+            </a:extLst>
+          </p:cNvPr>
+          <p:cNvSpPr/>
+          <p:nvPr/>
+        </p:nvSpPr>
+        <p:spPr>
+          <a:xfrm>
+            <a:off x="360218" y="267855"/>
+            <a:ext cx="360000" cy="360000"/>
+          </a:xfrm>
+          <a:prstGeom prst="rect">
+            <a:avLst/>
+          </a:prstGeom>
+        </p:spPr>
+        <p:style>
+          <a:lnRef idx="2">
+            <a:schemeClr val="dk1">
+              <a:shade val="15000"/>
+            </a:schemeClr>
+          </a:lnRef>
+          <a:fillRef idx="1">
+            <a:schemeClr val="dk1"/>
+          </a:fillRef>
+          <a:effectRef idx="0">
+            <a:schemeClr val="dk1"/>
+          </a:effectRef>
+          <a:fontRef idx="minor">
+            <a:schemeClr val="lt1"/>
+          </a:fontRef>
+        </p:style>
+        <p:txBody>
+          <a:bodyPr rtlCol="0" anchor="ctr"/>
+          <a:lstStyle/>
+          <a:p>
+            <a:pPr algn="ctr"/>
+            <a:r>
+              <a:rPr lang="en-US" altLang="ko-KR" sz="1400" dirty="0"/>
+              <a:t>3</a:t>
+            </a:r>
+            <a:endParaRPr lang="ko-KR" altLang="en-US" sz="1400" dirty="0"/>
+          </a:p>
+        </p:txBody>
+      </p:sp>
+      <p:sp>
+        <p:nvSpPr>
+          <p:cNvPr id="3" name="직사각형 2">
+            <a:extLst>
+              <a:ext uri="{FF2B5EF4-FFF2-40B4-BE49-F238E27FC236}">
+                <a16:creationId xmlns:a16="http://schemas.microsoft.com/office/drawing/2014/main" id="{CBD8F365-0DE2-1607-EEB2-2B288343ECF3}"/>
+              </a:ext>
+            </a:extLst>
+          </p:cNvPr>
+          <p:cNvSpPr/>
+          <p:nvPr/>
+        </p:nvSpPr>
+        <p:spPr>
+          <a:xfrm>
+            <a:off x="720218" y="267855"/>
+            <a:ext cx="2808000" cy="360000"/>
+          </a:xfrm>
+          <a:prstGeom prst="rect">
+            <a:avLst/>
+          </a:prstGeom>
+          <a:solidFill>
+            <a:schemeClr val="bg1"/>
+          </a:solidFill>
+          <a:ln>
+            <a:solidFill>
+              <a:schemeClr val="tx1"/>
+            </a:solidFill>
+          </a:ln>
+        </p:spPr>
+        <p:style>
+          <a:lnRef idx="2">
+            <a:schemeClr val="dk1">
+              <a:shade val="15000"/>
+            </a:schemeClr>
+          </a:lnRef>
+          <a:fillRef idx="1">
+            <a:schemeClr val="dk1"/>
+          </a:fillRef>
+          <a:effectRef idx="0">
+            <a:schemeClr val="dk1"/>
+          </a:effectRef>
+          <a:fontRef idx="minor">
+            <a:schemeClr val="lt1"/>
+          </a:fontRef>
+        </p:style>
+        <p:txBody>
+          <a:bodyPr rtlCol="0" anchor="ctr"/>
+          <a:lstStyle/>
+          <a:p>
+            <a:r>
+              <a:rPr lang="en-US" altLang="ko-KR" sz="1400" b="1" dirty="0">
+                <a:solidFill>
+                  <a:sysClr val="windowText" lastClr="000000"/>
+                </a:solidFill>
+              </a:rPr>
+              <a:t>State</a:t>
+            </a:r>
+            <a:r>
+              <a:rPr lang="ko-KR" altLang="en-US" sz="1400" b="1" dirty="0">
+                <a:solidFill>
+                  <a:sysClr val="windowText" lastClr="000000"/>
+                </a:solidFill>
+              </a:rPr>
+              <a:t> 찾아보기</a:t>
+            </a:r>
+          </a:p>
+        </p:txBody>
+      </p:sp>
+      <p:pic>
+        <p:nvPicPr>
+          <p:cNvPr id="5" name="그림 4">
+            <a:extLst>
+              <a:ext uri="{FF2B5EF4-FFF2-40B4-BE49-F238E27FC236}">
+                <a16:creationId xmlns:a16="http://schemas.microsoft.com/office/drawing/2014/main" id="{AF55981D-96F3-C7A2-9DCC-AE2AAE8981A5}"/>
+              </a:ext>
+            </a:extLst>
+          </p:cNvPr>
+          <p:cNvPicPr>
+            <a:picLocks noChangeAspect="1"/>
+          </p:cNvPicPr>
+          <p:nvPr/>
+        </p:nvPicPr>
+        <p:blipFill>
+          <a:blip r:embed="rId3"/>
+          <a:stretch>
+            <a:fillRect/>
+          </a:stretch>
+        </p:blipFill>
+        <p:spPr>
+          <a:xfrm>
+            <a:off x="360218" y="2373471"/>
+            <a:ext cx="4975058" cy="2111057"/>
+          </a:xfrm>
+          <a:prstGeom prst="rect">
+            <a:avLst/>
+          </a:prstGeom>
+        </p:spPr>
+      </p:pic>
+      <p:pic>
+        <p:nvPicPr>
+          <p:cNvPr id="7" name="그림 6">
+            <a:extLst>
+              <a:ext uri="{FF2B5EF4-FFF2-40B4-BE49-F238E27FC236}">
+                <a16:creationId xmlns:a16="http://schemas.microsoft.com/office/drawing/2014/main" id="{E6802039-CC4E-9A87-854C-F58BACAB0EFC}"/>
+              </a:ext>
+            </a:extLst>
+          </p:cNvPr>
+          <p:cNvPicPr>
+            <a:picLocks noChangeAspect="1"/>
+          </p:cNvPicPr>
+          <p:nvPr/>
+        </p:nvPicPr>
+        <p:blipFill>
+          <a:blip r:embed="rId4"/>
+          <a:stretch>
+            <a:fillRect/>
+          </a:stretch>
+        </p:blipFill>
+        <p:spPr>
+          <a:xfrm>
+            <a:off x="252802" y="4446199"/>
+            <a:ext cx="1541182" cy="2288292"/>
+          </a:xfrm>
+          <a:prstGeom prst="rect">
+            <a:avLst/>
+          </a:prstGeom>
+          <a:ln w="12700">
+            <a:solidFill>
+              <a:srgbClr val="9933FF"/>
+            </a:solidFill>
+          </a:ln>
+          <a:effectLst/>
+        </p:spPr>
+      </p:pic>
+      <p:sp>
+        <p:nvSpPr>
+          <p:cNvPr id="9" name="직사각형 8">
+            <a:extLst>
+              <a:ext uri="{FF2B5EF4-FFF2-40B4-BE49-F238E27FC236}">
+                <a16:creationId xmlns:a16="http://schemas.microsoft.com/office/drawing/2014/main" id="{266A9196-886A-B9D7-9AF6-30533DFC0E9D}"/>
+              </a:ext>
+            </a:extLst>
+          </p:cNvPr>
+          <p:cNvSpPr/>
+          <p:nvPr/>
+        </p:nvSpPr>
+        <p:spPr>
+          <a:xfrm>
+            <a:off x="1694171" y="2924957"/>
+            <a:ext cx="2313898" cy="1159329"/>
+          </a:xfrm>
+          <a:prstGeom prst="rect">
+            <a:avLst/>
+          </a:prstGeom>
+          <a:noFill/>
+          <a:ln w="38100">
+            <a:solidFill>
+              <a:schemeClr val="accent4"/>
+            </a:solidFill>
+            <a:prstDash val="sysDot"/>
+          </a:ln>
+        </p:spPr>
+        <p:style>
+          <a:lnRef idx="2">
+            <a:schemeClr val="accent1">
+              <a:shade val="15000"/>
+            </a:schemeClr>
+          </a:lnRef>
+          <a:fillRef idx="1">
+            <a:schemeClr val="accent1"/>
+          </a:fillRef>
+          <a:effectRef idx="0">
+            <a:schemeClr val="accent1"/>
+          </a:effectRef>
+          <a:fontRef idx="minor">
+            <a:schemeClr val="lt1"/>
+          </a:fontRef>
+        </p:style>
+        <p:txBody>
+          <a:bodyPr rtlCol="0" anchor="ctr"/>
+          <a:lstStyle/>
+          <a:p>
+            <a:pPr algn="ctr"/>
+            <a:endParaRPr lang="ko-KR" altLang="en-US"/>
+          </a:p>
+        </p:txBody>
+      </p:sp>
+      <p:cxnSp>
+        <p:nvCxnSpPr>
+          <p:cNvPr id="11" name="연결선: 꺾임 10">
+            <a:extLst>
+              <a:ext uri="{FF2B5EF4-FFF2-40B4-BE49-F238E27FC236}">
+                <a16:creationId xmlns:a16="http://schemas.microsoft.com/office/drawing/2014/main" id="{2EBA9E09-2E0D-B430-57A9-DC22261F8F1C}"/>
+              </a:ext>
+            </a:extLst>
+          </p:cNvPr>
+          <p:cNvCxnSpPr>
+            <a:cxnSpLocks/>
+            <a:stCxn id="9" idx="3"/>
+          </p:cNvCxnSpPr>
+          <p:nvPr/>
+        </p:nvCxnSpPr>
+        <p:spPr>
+          <a:xfrm>
+            <a:off x="4008069" y="3504622"/>
+            <a:ext cx="802222" cy="346117"/>
+          </a:xfrm>
+          <a:prstGeom prst="bentConnector3">
+            <a:avLst>
+              <a:gd name="adj1" fmla="val 50000"/>
+            </a:avLst>
+          </a:prstGeom>
+          <a:ln w="38100">
+            <a:solidFill>
+              <a:schemeClr val="accent4"/>
+            </a:solidFill>
+            <a:prstDash val="sysDot"/>
+            <a:tailEnd type="triangle"/>
+          </a:ln>
+        </p:spPr>
+        <p:style>
+          <a:lnRef idx="1">
+            <a:schemeClr val="accent1"/>
+          </a:lnRef>
+          <a:fillRef idx="0">
+            <a:schemeClr val="accent1"/>
+          </a:fillRef>
+          <a:effectRef idx="0">
+            <a:schemeClr val="accent1"/>
+          </a:effectRef>
+          <a:fontRef idx="minor">
+            <a:schemeClr val="tx1"/>
+          </a:fontRef>
+        </p:style>
+      </p:cxnSp>
+      <p:sp>
+        <p:nvSpPr>
+          <p:cNvPr id="15" name="직사각형 14">
+            <a:extLst>
+              <a:ext uri="{FF2B5EF4-FFF2-40B4-BE49-F238E27FC236}">
+                <a16:creationId xmlns:a16="http://schemas.microsoft.com/office/drawing/2014/main" id="{2937A406-0492-C42D-04A0-15017941D36B}"/>
+              </a:ext>
+            </a:extLst>
+          </p:cNvPr>
+          <p:cNvSpPr/>
+          <p:nvPr/>
+        </p:nvSpPr>
+        <p:spPr>
+          <a:xfrm>
+            <a:off x="7910767" y="3705656"/>
+            <a:ext cx="4068949" cy="763016"/>
+          </a:xfrm>
+          <a:prstGeom prst="rect">
+            <a:avLst/>
+          </a:prstGeom>
+          <a:solidFill>
+            <a:schemeClr val="accent5">
+              <a:lumMod val="20000"/>
+              <a:lumOff val="80000"/>
+            </a:schemeClr>
+          </a:solidFill>
+          <a:ln>
+            <a:noFill/>
+          </a:ln>
+        </p:spPr>
+        <p:style>
+          <a:lnRef idx="2">
+            <a:schemeClr val="accent1">
+              <a:shade val="15000"/>
+            </a:schemeClr>
+          </a:lnRef>
+          <a:fillRef idx="1">
+            <a:schemeClr val="accent1"/>
+          </a:fillRef>
+          <a:effectRef idx="0">
+            <a:schemeClr val="accent1"/>
+          </a:effectRef>
+          <a:fontRef idx="minor">
+            <a:schemeClr val="lt1"/>
+          </a:fontRef>
+        </p:style>
+        <p:txBody>
+          <a:bodyPr rtlCol="0" anchor="ctr"/>
+          <a:lstStyle/>
+          <a:p>
+            <a:pPr algn="ctr">
+              <a:lnSpc>
+                <a:spcPct val="130000"/>
+              </a:lnSpc>
+            </a:pPr>
+            <a:r>
+              <a:rPr lang="en-US" altLang="ko-KR" sz="1600" dirty="0">
+                <a:solidFill>
+                  <a:sysClr val="windowText" lastClr="000000"/>
+                </a:solidFill>
+              </a:rPr>
+              <a:t>new </a:t>
+            </a:r>
+            <a:r>
+              <a:rPr lang="en-US" altLang="ko-KR" sz="1600" dirty="0" err="1">
+                <a:solidFill>
+                  <a:sysClr val="windowText" lastClr="000000"/>
+                </a:solidFill>
+              </a:rPr>
+              <a:t>DetailPoke</a:t>
+            </a:r>
+            <a:r>
+              <a:rPr lang="en-US" altLang="ko-KR" sz="1600" dirty="0">
+                <a:solidFill>
+                  <a:sysClr val="windowText" lastClr="000000"/>
+                </a:solidFill>
+              </a:rPr>
+              <a:t>{(</a:t>
+            </a:r>
+            <a:r>
+              <a:rPr lang="en-US" altLang="ko-KR" sz="1600" dirty="0" err="1">
+                <a:solidFill>
+                  <a:sysClr val="windowText" lastClr="000000"/>
+                </a:solidFill>
+              </a:rPr>
+              <a:t>Img</a:t>
+            </a:r>
+            <a:r>
+              <a:rPr lang="en-US" altLang="ko-KR" sz="1600" dirty="0">
+                <a:solidFill>
+                  <a:sysClr val="windowText" lastClr="000000"/>
+                </a:solidFill>
+              </a:rPr>
+              <a:t>, Id, Name, type, description, height, info, weight)} </a:t>
+            </a:r>
+            <a:endParaRPr lang="ko-KR" altLang="en-US" sz="1600" dirty="0">
+              <a:solidFill>
+                <a:sysClr val="windowText" lastClr="000000"/>
+              </a:solidFill>
+            </a:endParaRPr>
+          </a:p>
+        </p:txBody>
+      </p:sp>
+      <p:sp>
+        <p:nvSpPr>
+          <p:cNvPr id="10" name="직사각형 9">
+            <a:extLst>
+              <a:ext uri="{FF2B5EF4-FFF2-40B4-BE49-F238E27FC236}">
+                <a16:creationId xmlns:a16="http://schemas.microsoft.com/office/drawing/2014/main" id="{BAAB057E-5AB7-A2F8-8197-D3D9CC67E7D6}"/>
+              </a:ext>
+            </a:extLst>
+          </p:cNvPr>
+          <p:cNvSpPr/>
+          <p:nvPr/>
+        </p:nvSpPr>
+        <p:spPr>
+          <a:xfrm>
+            <a:off x="2284699" y="1170237"/>
+            <a:ext cx="1716723" cy="685965"/>
+          </a:xfrm>
+          <a:prstGeom prst="rect">
+            <a:avLst/>
+          </a:prstGeom>
+          <a:solidFill>
+            <a:srgbClr val="FFE1FF"/>
+          </a:solidFill>
+          <a:ln>
+            <a:noFill/>
+          </a:ln>
+        </p:spPr>
+        <p:style>
+          <a:lnRef idx="2">
+            <a:schemeClr val="accent1">
+              <a:shade val="15000"/>
+            </a:schemeClr>
+          </a:lnRef>
+          <a:fillRef idx="1">
+            <a:schemeClr val="accent1"/>
+          </a:fillRef>
+          <a:effectRef idx="0">
+            <a:schemeClr val="accent1"/>
+          </a:effectRef>
+          <a:fontRef idx="minor">
+            <a:schemeClr val="lt1"/>
+          </a:fontRef>
+        </p:style>
+        <p:txBody>
+          <a:bodyPr rtlCol="0" anchor="ctr"/>
+          <a:lstStyle/>
+          <a:p>
+            <a:pPr algn="ctr">
+              <a:lnSpc>
+                <a:spcPct val="130000"/>
+              </a:lnSpc>
+            </a:pPr>
+            <a:r>
+              <a:rPr lang="en-US" altLang="ko-KR" sz="1600" dirty="0">
+                <a:solidFill>
+                  <a:sysClr val="windowText" lastClr="000000"/>
+                </a:solidFill>
+              </a:rPr>
+              <a:t>new Header</a:t>
+            </a:r>
+            <a:br>
+              <a:rPr lang="en-US" altLang="ko-KR" sz="1600" dirty="0">
+                <a:solidFill>
+                  <a:sysClr val="windowText" lastClr="000000"/>
+                </a:solidFill>
+              </a:rPr>
+            </a:br>
+            <a:r>
+              <a:rPr lang="en-US" altLang="ko-KR" sz="1600" dirty="0">
+                <a:solidFill>
+                  <a:sysClr val="windowText" lastClr="000000"/>
+                </a:solidFill>
+              </a:rPr>
+              <a:t>{(logo, search)} </a:t>
+            </a:r>
+            <a:endParaRPr lang="ko-KR" altLang="en-US" sz="1600" dirty="0">
+              <a:solidFill>
+                <a:sysClr val="windowText" lastClr="000000"/>
+              </a:solidFill>
+            </a:endParaRPr>
+          </a:p>
+        </p:txBody>
+      </p:sp>
+      <p:sp>
+        <p:nvSpPr>
+          <p:cNvPr id="12" name="직사각형 11">
+            <a:extLst>
+              <a:ext uri="{FF2B5EF4-FFF2-40B4-BE49-F238E27FC236}">
+                <a16:creationId xmlns:a16="http://schemas.microsoft.com/office/drawing/2014/main" id="{5E06BF7C-6B04-9D9D-081E-9F0232A20D06}"/>
+              </a:ext>
+            </a:extLst>
+          </p:cNvPr>
+          <p:cNvSpPr/>
+          <p:nvPr/>
+        </p:nvSpPr>
+        <p:spPr>
+          <a:xfrm>
+            <a:off x="1863553" y="4575264"/>
+            <a:ext cx="2708236" cy="2159227"/>
+          </a:xfrm>
+          <a:prstGeom prst="rect">
+            <a:avLst/>
+          </a:prstGeom>
+          <a:solidFill>
+            <a:schemeClr val="bg1"/>
+          </a:solidFill>
+          <a:ln>
+            <a:solidFill>
+              <a:srgbClr val="9933FF"/>
+            </a:solidFill>
+          </a:ln>
+        </p:spPr>
+        <p:style>
+          <a:lnRef idx="2">
+            <a:schemeClr val="accent1">
+              <a:shade val="15000"/>
+            </a:schemeClr>
+          </a:lnRef>
+          <a:fillRef idx="1">
+            <a:schemeClr val="accent1"/>
+          </a:fillRef>
+          <a:effectRef idx="0">
+            <a:schemeClr val="accent1"/>
+          </a:effectRef>
+          <a:fontRef idx="minor">
+            <a:schemeClr val="lt1"/>
+          </a:fontRef>
+        </p:style>
+        <p:txBody>
+          <a:bodyPr tIns="864000" bIns="108000" rtlCol="0" anchor="b"/>
+          <a:lstStyle/>
+          <a:p>
+            <a:pPr algn="ctr">
+              <a:lnSpc>
+                <a:spcPct val="130000"/>
+              </a:lnSpc>
+            </a:pPr>
+            <a:r>
+              <a:rPr lang="ko-KR" altLang="en-US" sz="1600" dirty="0">
+                <a:solidFill>
+                  <a:sysClr val="windowText" lastClr="000000"/>
+                </a:solidFill>
+              </a:rPr>
+              <a:t>출력 된 리스트의 기준에 </a:t>
+            </a:r>
+            <a:endParaRPr lang="en-US" altLang="ko-KR" sz="1600" dirty="0">
+              <a:solidFill>
+                <a:sysClr val="windowText" lastClr="000000"/>
+              </a:solidFill>
+            </a:endParaRPr>
+          </a:p>
+          <a:p>
+            <a:pPr algn="ctr">
+              <a:lnSpc>
+                <a:spcPct val="130000"/>
+              </a:lnSpc>
+            </a:pPr>
+            <a:r>
+              <a:rPr lang="ko-KR" altLang="en-US" sz="1600" dirty="0">
+                <a:solidFill>
+                  <a:sysClr val="windowText" lastClr="000000"/>
+                </a:solidFill>
+              </a:rPr>
+              <a:t>따라 각 타일의 </a:t>
+            </a:r>
+            <a:endParaRPr lang="en-US" altLang="ko-KR" sz="1600" dirty="0">
+              <a:solidFill>
+                <a:sysClr val="windowText" lastClr="000000"/>
+              </a:solidFill>
+            </a:endParaRPr>
+          </a:p>
+          <a:p>
+            <a:pPr algn="ctr">
+              <a:lnSpc>
+                <a:spcPct val="130000"/>
+              </a:lnSpc>
+            </a:pPr>
+            <a:r>
+              <a:rPr lang="en-US" altLang="ko-KR" sz="1600" dirty="0">
+                <a:solidFill>
+                  <a:sysClr val="windowText" lastClr="000000"/>
+                </a:solidFill>
+              </a:rPr>
+              <a:t>[</a:t>
+            </a:r>
+            <a:r>
+              <a:rPr lang="en-US" altLang="ko-KR" sz="1600" dirty="0" err="1">
+                <a:solidFill>
+                  <a:sysClr val="windowText" lastClr="000000"/>
+                </a:solidFill>
+              </a:rPr>
+              <a:t>Img</a:t>
+            </a:r>
+            <a:r>
+              <a:rPr lang="en-US" altLang="ko-KR" sz="1600" dirty="0">
+                <a:solidFill>
+                  <a:sysClr val="windowText" lastClr="000000"/>
+                </a:solidFill>
+              </a:rPr>
+              <a:t>, Id, Name, type]</a:t>
+            </a:r>
+            <a:r>
+              <a:rPr lang="ko-KR" altLang="en-US" sz="1600" dirty="0">
+                <a:solidFill>
+                  <a:sysClr val="windowText" lastClr="000000"/>
+                </a:solidFill>
+              </a:rPr>
+              <a:t> </a:t>
+            </a:r>
+            <a:endParaRPr lang="en-US" altLang="ko-KR" sz="1600" dirty="0">
+              <a:solidFill>
+                <a:sysClr val="windowText" lastClr="000000"/>
+              </a:solidFill>
+            </a:endParaRPr>
+          </a:p>
+          <a:p>
+            <a:pPr algn="ctr">
+              <a:lnSpc>
+                <a:spcPct val="130000"/>
+              </a:lnSpc>
+            </a:pPr>
+            <a:r>
+              <a:rPr lang="ko-KR" altLang="en-US" sz="1600" dirty="0">
+                <a:solidFill>
+                  <a:sysClr val="windowText" lastClr="000000"/>
+                </a:solidFill>
+              </a:rPr>
+              <a:t>데이터가 적용 됨</a:t>
+            </a:r>
+          </a:p>
+        </p:txBody>
+      </p:sp>
+      <p:sp>
+        <p:nvSpPr>
+          <p:cNvPr id="13" name="직사각형 12">
+            <a:extLst>
+              <a:ext uri="{FF2B5EF4-FFF2-40B4-BE49-F238E27FC236}">
+                <a16:creationId xmlns:a16="http://schemas.microsoft.com/office/drawing/2014/main" id="{C1EA280D-D508-DCAB-E573-155591208122}"/>
+              </a:ext>
+            </a:extLst>
+          </p:cNvPr>
+          <p:cNvSpPr/>
+          <p:nvPr/>
+        </p:nvSpPr>
+        <p:spPr>
+          <a:xfrm>
+            <a:off x="1981195" y="4671637"/>
+            <a:ext cx="2426619" cy="639918"/>
+          </a:xfrm>
+          <a:prstGeom prst="rect">
+            <a:avLst/>
+          </a:prstGeom>
+          <a:solidFill>
+            <a:srgbClr val="E4C9FF"/>
+          </a:solidFill>
+          <a:ln>
+            <a:noFill/>
+          </a:ln>
+        </p:spPr>
+        <p:style>
+          <a:lnRef idx="2">
+            <a:schemeClr val="accent1">
+              <a:shade val="15000"/>
+            </a:schemeClr>
+          </a:lnRef>
+          <a:fillRef idx="1">
+            <a:schemeClr val="accent1"/>
+          </a:fillRef>
+          <a:effectRef idx="0">
+            <a:schemeClr val="accent1"/>
+          </a:effectRef>
+          <a:fontRef idx="minor">
+            <a:schemeClr val="lt1"/>
+          </a:fontRef>
+        </p:style>
+        <p:txBody>
+          <a:bodyPr rtlCol="0" anchor="ctr"/>
+          <a:lstStyle/>
+          <a:p>
+            <a:pPr algn="ctr">
+              <a:lnSpc>
+                <a:spcPct val="130000"/>
+              </a:lnSpc>
+            </a:pPr>
+            <a:r>
+              <a:rPr lang="en-US" altLang="ko-KR" sz="1600" dirty="0">
+                <a:solidFill>
+                  <a:sysClr val="windowText" lastClr="000000"/>
+                </a:solidFill>
+              </a:rPr>
+              <a:t>new </a:t>
+            </a:r>
+            <a:r>
+              <a:rPr lang="en-US" altLang="ko-KR" sz="1600" dirty="0" err="1">
+                <a:solidFill>
+                  <a:sysClr val="windowText" lastClr="000000"/>
+                </a:solidFill>
+              </a:rPr>
+              <a:t>sumnailPoke</a:t>
+            </a:r>
+            <a:endParaRPr lang="en-US" altLang="ko-KR" sz="1600" dirty="0">
+              <a:solidFill>
+                <a:sysClr val="windowText" lastClr="000000"/>
+              </a:solidFill>
+            </a:endParaRPr>
+          </a:p>
+          <a:p>
+            <a:pPr algn="ctr">
+              <a:lnSpc>
+                <a:spcPct val="130000"/>
+              </a:lnSpc>
+            </a:pPr>
+            <a:r>
+              <a:rPr lang="en-US" altLang="ko-KR" sz="1600" dirty="0">
+                <a:solidFill>
+                  <a:sysClr val="windowText" lastClr="000000"/>
+                </a:solidFill>
+              </a:rPr>
+              <a:t>{(</a:t>
+            </a:r>
+            <a:r>
+              <a:rPr lang="en-US" altLang="ko-KR" sz="1600" dirty="0" err="1">
+                <a:solidFill>
+                  <a:sysClr val="windowText" lastClr="000000"/>
+                </a:solidFill>
+              </a:rPr>
+              <a:t>Img</a:t>
+            </a:r>
+            <a:r>
+              <a:rPr lang="en-US" altLang="ko-KR" sz="1600" dirty="0">
+                <a:solidFill>
+                  <a:sysClr val="windowText" lastClr="000000"/>
+                </a:solidFill>
+              </a:rPr>
+              <a:t>, Id, Name, type)} </a:t>
+            </a:r>
+            <a:endParaRPr lang="ko-KR" altLang="en-US" sz="1600" dirty="0">
+              <a:solidFill>
+                <a:sysClr val="windowText" lastClr="000000"/>
+              </a:solidFill>
+            </a:endParaRPr>
+          </a:p>
+        </p:txBody>
+      </p:sp>
+      <p:sp>
+        <p:nvSpPr>
+          <p:cNvPr id="18" name="직사각형 17">
+            <a:extLst>
+              <a:ext uri="{FF2B5EF4-FFF2-40B4-BE49-F238E27FC236}">
+                <a16:creationId xmlns:a16="http://schemas.microsoft.com/office/drawing/2014/main" id="{CE37D3AA-6F64-3ED5-6BDD-46095702AA85}"/>
+              </a:ext>
+            </a:extLst>
+          </p:cNvPr>
+          <p:cNvSpPr/>
+          <p:nvPr/>
+        </p:nvSpPr>
+        <p:spPr>
+          <a:xfrm>
+            <a:off x="8296787" y="1914420"/>
+            <a:ext cx="2630826" cy="1061936"/>
+          </a:xfrm>
+          <a:prstGeom prst="rect">
+            <a:avLst/>
+          </a:prstGeom>
+          <a:noFill/>
+          <a:ln w="38100">
+            <a:solidFill>
+              <a:schemeClr val="accent1"/>
+            </a:solidFill>
+            <a:prstDash val="sysDot"/>
+          </a:ln>
+        </p:spPr>
+        <p:style>
+          <a:lnRef idx="2">
+            <a:schemeClr val="accent1">
+              <a:shade val="15000"/>
+            </a:schemeClr>
+          </a:lnRef>
+          <a:fillRef idx="1">
+            <a:schemeClr val="accent1"/>
+          </a:fillRef>
+          <a:effectRef idx="0">
+            <a:schemeClr val="accent1"/>
+          </a:effectRef>
+          <a:fontRef idx="minor">
+            <a:schemeClr val="lt1"/>
+          </a:fontRef>
+        </p:style>
+        <p:txBody>
+          <a:bodyPr rtlCol="0" anchor="ctr"/>
+          <a:lstStyle/>
+          <a:p>
+            <a:pPr algn="ctr"/>
+            <a:endParaRPr lang="ko-KR" altLang="en-US"/>
+          </a:p>
+        </p:txBody>
+      </p:sp>
+      <p:cxnSp>
+        <p:nvCxnSpPr>
+          <p:cNvPr id="19" name="연결선: 꺾임 18">
+            <a:extLst>
+              <a:ext uri="{FF2B5EF4-FFF2-40B4-BE49-F238E27FC236}">
+                <a16:creationId xmlns:a16="http://schemas.microsoft.com/office/drawing/2014/main" id="{3DD40602-D88F-5E82-E904-D040B43050EE}"/>
+              </a:ext>
+            </a:extLst>
+          </p:cNvPr>
+          <p:cNvCxnSpPr>
+            <a:cxnSpLocks/>
+            <a:stCxn id="18" idx="2"/>
+            <a:endCxn id="17" idx="0"/>
+          </p:cNvCxnSpPr>
+          <p:nvPr/>
+        </p:nvCxnSpPr>
+        <p:spPr>
+          <a:xfrm>
+            <a:off x="9612200" y="2976356"/>
+            <a:ext cx="333042" cy="668629"/>
+          </a:xfrm>
+          <a:prstGeom prst="straightConnector1">
+            <a:avLst/>
+          </a:prstGeom>
+          <a:ln w="38100">
+            <a:solidFill>
+              <a:schemeClr val="accent1"/>
+            </a:solidFill>
+            <a:prstDash val="sysDot"/>
+            <a:tailEnd type="triangle"/>
+          </a:ln>
+        </p:spPr>
+        <p:style>
+          <a:lnRef idx="1">
+            <a:schemeClr val="accent1"/>
+          </a:lnRef>
+          <a:fillRef idx="0">
+            <a:schemeClr val="accent1"/>
+          </a:fillRef>
+          <a:effectRef idx="0">
+            <a:schemeClr val="accent1"/>
+          </a:effectRef>
+          <a:fontRef idx="minor">
+            <a:schemeClr val="tx1"/>
+          </a:fontRef>
+        </p:style>
+      </p:cxnSp>
+      <p:sp>
+        <p:nvSpPr>
+          <p:cNvPr id="26" name="직사각형 25">
+            <a:extLst>
+              <a:ext uri="{FF2B5EF4-FFF2-40B4-BE49-F238E27FC236}">
+                <a16:creationId xmlns:a16="http://schemas.microsoft.com/office/drawing/2014/main" id="{464EBF16-FFDF-66AE-DE15-A22DA40BE83C}"/>
+              </a:ext>
+            </a:extLst>
+          </p:cNvPr>
+          <p:cNvSpPr/>
+          <p:nvPr/>
+        </p:nvSpPr>
+        <p:spPr>
+          <a:xfrm>
+            <a:off x="595168" y="2456483"/>
+            <a:ext cx="4618744" cy="335661"/>
+          </a:xfrm>
+          <a:prstGeom prst="rect">
+            <a:avLst/>
+          </a:prstGeom>
+          <a:noFill/>
+          <a:ln w="38100">
+            <a:solidFill>
+              <a:srgbClr val="FF00FF"/>
+            </a:solidFill>
+            <a:prstDash val="sysDot"/>
+          </a:ln>
+        </p:spPr>
+        <p:style>
+          <a:lnRef idx="2">
+            <a:schemeClr val="accent1">
+              <a:shade val="15000"/>
+            </a:schemeClr>
+          </a:lnRef>
+          <a:fillRef idx="1">
+            <a:schemeClr val="accent1"/>
+          </a:fillRef>
+          <a:effectRef idx="0">
+            <a:schemeClr val="accent1"/>
+          </a:effectRef>
+          <a:fontRef idx="minor">
+            <a:schemeClr val="lt1"/>
+          </a:fontRef>
+        </p:style>
+        <p:txBody>
+          <a:bodyPr rtlCol="0" anchor="ctr"/>
+          <a:lstStyle/>
+          <a:p>
+            <a:pPr algn="ctr"/>
+            <a:endParaRPr lang="ko-KR" altLang="en-US"/>
+          </a:p>
+        </p:txBody>
+      </p:sp>
+      <p:sp>
+        <p:nvSpPr>
+          <p:cNvPr id="27" name="직사각형 26">
+            <a:extLst>
+              <a:ext uri="{FF2B5EF4-FFF2-40B4-BE49-F238E27FC236}">
+                <a16:creationId xmlns:a16="http://schemas.microsoft.com/office/drawing/2014/main" id="{586263AA-9B00-0B19-24E8-90F4F2253FE9}"/>
+              </a:ext>
+            </a:extLst>
+          </p:cNvPr>
+          <p:cNvSpPr/>
+          <p:nvPr/>
+        </p:nvSpPr>
+        <p:spPr>
+          <a:xfrm>
+            <a:off x="7416426" y="943261"/>
+            <a:ext cx="4388435" cy="297417"/>
+          </a:xfrm>
+          <a:prstGeom prst="rect">
+            <a:avLst/>
+          </a:prstGeom>
+          <a:noFill/>
+          <a:ln w="38100">
+            <a:solidFill>
+              <a:srgbClr val="FF00FF"/>
+            </a:solidFill>
+            <a:prstDash val="sysDot"/>
+          </a:ln>
+        </p:spPr>
+        <p:style>
+          <a:lnRef idx="2">
+            <a:schemeClr val="accent1">
+              <a:shade val="15000"/>
+            </a:schemeClr>
+          </a:lnRef>
+          <a:fillRef idx="1">
+            <a:schemeClr val="accent1"/>
+          </a:fillRef>
+          <a:effectRef idx="0">
+            <a:schemeClr val="accent1"/>
+          </a:effectRef>
+          <a:fontRef idx="minor">
+            <a:schemeClr val="lt1"/>
+          </a:fontRef>
+        </p:style>
+        <p:txBody>
+          <a:bodyPr rtlCol="0" anchor="ctr"/>
+          <a:lstStyle/>
+          <a:p>
+            <a:pPr algn="ctr"/>
+            <a:endParaRPr lang="ko-KR" altLang="en-US"/>
+          </a:p>
+        </p:txBody>
+      </p:sp>
+      <p:cxnSp>
+        <p:nvCxnSpPr>
+          <p:cNvPr id="29" name="연결선: 꺾임 28">
+            <a:extLst>
+              <a:ext uri="{FF2B5EF4-FFF2-40B4-BE49-F238E27FC236}">
+                <a16:creationId xmlns:a16="http://schemas.microsoft.com/office/drawing/2014/main" id="{86464CCE-5B0C-C86B-4521-91530300344E}"/>
+              </a:ext>
+            </a:extLst>
+          </p:cNvPr>
+          <p:cNvCxnSpPr>
+            <a:cxnSpLocks/>
+            <a:stCxn id="28" idx="2"/>
+          </p:cNvCxnSpPr>
+          <p:nvPr/>
+        </p:nvCxnSpPr>
+        <p:spPr>
+          <a:xfrm flipH="1">
+            <a:off x="3800984" y="2145288"/>
+            <a:ext cx="735341" cy="240754"/>
+          </a:xfrm>
+          <a:prstGeom prst="straightConnector1">
+            <a:avLst/>
+          </a:prstGeom>
+          <a:ln w="38100">
+            <a:solidFill>
+              <a:srgbClr val="FF00FF"/>
+            </a:solidFill>
+            <a:prstDash val="sysDot"/>
+            <a:tailEnd type="triangle"/>
+          </a:ln>
+        </p:spPr>
+        <p:style>
+          <a:lnRef idx="1">
+            <a:schemeClr val="accent1"/>
+          </a:lnRef>
+          <a:fillRef idx="0">
+            <a:schemeClr val="accent1"/>
+          </a:fillRef>
+          <a:effectRef idx="0">
+            <a:schemeClr val="accent1"/>
+          </a:effectRef>
+          <a:fontRef idx="minor">
+            <a:schemeClr val="tx1"/>
+          </a:fontRef>
+        </p:style>
+      </p:cxnSp>
+      <p:cxnSp>
+        <p:nvCxnSpPr>
+          <p:cNvPr id="33" name="연결선: 꺾임 32">
+            <a:extLst>
+              <a:ext uri="{FF2B5EF4-FFF2-40B4-BE49-F238E27FC236}">
+                <a16:creationId xmlns:a16="http://schemas.microsoft.com/office/drawing/2014/main" id="{FC3275C8-53AF-4200-1837-6332ABC70549}"/>
+              </a:ext>
+            </a:extLst>
+          </p:cNvPr>
+          <p:cNvCxnSpPr>
+            <a:cxnSpLocks/>
+            <a:stCxn id="28" idx="3"/>
+            <a:endCxn id="27" idx="1"/>
+          </p:cNvCxnSpPr>
+          <p:nvPr/>
+        </p:nvCxnSpPr>
+        <p:spPr>
+          <a:xfrm flipV="1">
+            <a:off x="6883859" y="1091970"/>
+            <a:ext cx="532567" cy="424172"/>
+          </a:xfrm>
+          <a:prstGeom prst="straightConnector1">
+            <a:avLst/>
+          </a:prstGeom>
+          <a:ln w="38100">
+            <a:solidFill>
+              <a:srgbClr val="FF00FF"/>
+            </a:solidFill>
+            <a:prstDash val="sysDot"/>
+            <a:tailEnd type="triangle"/>
+          </a:ln>
+        </p:spPr>
+        <p:style>
+          <a:lnRef idx="1">
+            <a:schemeClr val="accent1"/>
+          </a:lnRef>
+          <a:fillRef idx="0">
+            <a:schemeClr val="accent1"/>
+          </a:fillRef>
+          <a:effectRef idx="0">
+            <a:schemeClr val="accent1"/>
+          </a:effectRef>
+          <a:fontRef idx="minor">
+            <a:schemeClr val="tx1"/>
+          </a:fontRef>
+        </p:style>
+      </p:cxnSp>
+      <p:sp>
+        <p:nvSpPr>
+          <p:cNvPr id="20" name="직사각형 19">
+            <a:extLst>
+              <a:ext uri="{FF2B5EF4-FFF2-40B4-BE49-F238E27FC236}">
+                <a16:creationId xmlns:a16="http://schemas.microsoft.com/office/drawing/2014/main" id="{CBA3C8A9-2AE7-6DAF-FEE8-19C8EA655CDB}"/>
+              </a:ext>
+            </a:extLst>
+          </p:cNvPr>
+          <p:cNvSpPr/>
+          <p:nvPr/>
+        </p:nvSpPr>
+        <p:spPr>
+          <a:xfrm>
+            <a:off x="4810291" y="3183751"/>
+            <a:ext cx="2775069" cy="2950349"/>
+          </a:xfrm>
+          <a:prstGeom prst="rect">
+            <a:avLst/>
+          </a:prstGeom>
+          <a:solidFill>
+            <a:schemeClr val="bg1"/>
+          </a:solidFill>
+          <a:ln>
+            <a:solidFill>
+              <a:schemeClr val="accent4"/>
+            </a:solidFill>
+          </a:ln>
+        </p:spPr>
+        <p:style>
+          <a:lnRef idx="2">
+            <a:schemeClr val="accent1">
+              <a:shade val="15000"/>
+            </a:schemeClr>
+          </a:lnRef>
+          <a:fillRef idx="1">
+            <a:schemeClr val="accent1"/>
+          </a:fillRef>
+          <a:effectRef idx="0">
+            <a:schemeClr val="accent1"/>
+          </a:effectRef>
+          <a:fontRef idx="minor">
+            <a:schemeClr val="lt1"/>
+          </a:fontRef>
+        </p:style>
+        <p:txBody>
+          <a:bodyPr tIns="864000" bIns="108000" rtlCol="0" anchor="b"/>
+          <a:lstStyle/>
+          <a:p>
+            <a:pPr algn="ctr">
+              <a:lnSpc>
+                <a:spcPct val="130000"/>
+              </a:lnSpc>
+            </a:pPr>
+            <a:r>
+              <a:rPr lang="ko-KR" altLang="en-US" sz="1600" dirty="0">
+                <a:solidFill>
+                  <a:sysClr val="windowText" lastClr="000000"/>
+                </a:solidFill>
+              </a:rPr>
+              <a:t>검색한 경우 </a:t>
+            </a:r>
+            <a:r>
+              <a:rPr lang="en-US" altLang="ko-KR" sz="1600" dirty="0">
+                <a:solidFill>
+                  <a:sysClr val="windowText" lastClr="000000"/>
+                </a:solidFill>
+              </a:rPr>
+              <a:t>[Name] </a:t>
+            </a:r>
+            <a:r>
+              <a:rPr lang="ko-KR" altLang="en-US" sz="1600" dirty="0">
+                <a:solidFill>
+                  <a:sysClr val="windowText" lastClr="000000"/>
+                </a:solidFill>
+              </a:rPr>
+              <a:t>데이터에 따라 목록 상태가 변하고</a:t>
+            </a:r>
+            <a:r>
+              <a:rPr lang="en-US" altLang="ko-KR" sz="1600" dirty="0">
+                <a:solidFill>
+                  <a:sysClr val="windowText" lastClr="000000"/>
+                </a:solidFill>
+              </a:rPr>
+              <a:t>,</a:t>
+            </a:r>
+            <a:r>
+              <a:rPr lang="ko-KR" altLang="en-US" sz="1600" dirty="0">
+                <a:solidFill>
+                  <a:sysClr val="windowText" lastClr="000000"/>
+                </a:solidFill>
+              </a:rPr>
+              <a:t> </a:t>
+            </a:r>
+            <a:r>
+              <a:rPr lang="en-US" altLang="ko-KR" sz="1600" dirty="0">
+                <a:solidFill>
+                  <a:sysClr val="windowText" lastClr="000000"/>
+                </a:solidFill>
+              </a:rPr>
+              <a:t>[type] </a:t>
+            </a:r>
+            <a:r>
+              <a:rPr lang="ko-KR" altLang="en-US" sz="1600" dirty="0">
+                <a:solidFill>
+                  <a:sysClr val="windowText" lastClr="000000"/>
+                </a:solidFill>
+              </a:rPr>
+              <a:t>데이터 선택</a:t>
+            </a:r>
+            <a:r>
+              <a:rPr lang="en-US" altLang="ko-KR" sz="1600" dirty="0">
+                <a:solidFill>
+                  <a:sysClr val="windowText" lastClr="000000"/>
+                </a:solidFill>
+              </a:rPr>
+              <a:t>(</a:t>
+            </a:r>
+            <a:r>
+              <a:rPr lang="ko-KR" altLang="en-US" sz="1600" dirty="0">
+                <a:solidFill>
+                  <a:sysClr val="windowText" lastClr="000000"/>
+                </a:solidFill>
+              </a:rPr>
+              <a:t>클릭</a:t>
+            </a:r>
+            <a:r>
+              <a:rPr lang="en-US" altLang="ko-KR" sz="1600" dirty="0">
+                <a:solidFill>
+                  <a:sysClr val="windowText" lastClr="000000"/>
+                </a:solidFill>
+              </a:rPr>
+              <a:t>) </a:t>
+            </a:r>
+            <a:r>
+              <a:rPr lang="ko-KR" altLang="en-US" sz="1600" dirty="0">
+                <a:solidFill>
+                  <a:sysClr val="windowText" lastClr="000000"/>
+                </a:solidFill>
+              </a:rPr>
+              <a:t>시</a:t>
+            </a:r>
+            <a:r>
+              <a:rPr lang="en-US" altLang="ko-KR" sz="1600" dirty="0">
+                <a:solidFill>
+                  <a:sysClr val="windowText" lastClr="000000"/>
+                </a:solidFill>
+              </a:rPr>
+              <a:t> </a:t>
+            </a:r>
+            <a:r>
+              <a:rPr lang="ko-KR" altLang="en-US" sz="1600" dirty="0">
+                <a:solidFill>
+                  <a:sysClr val="windowText" lastClr="000000"/>
+                </a:solidFill>
+              </a:rPr>
+              <a:t>선택과 동일한 </a:t>
+            </a:r>
+            <a:r>
+              <a:rPr lang="en-US" altLang="ko-KR" sz="1600" dirty="0">
+                <a:solidFill>
+                  <a:sysClr val="windowText" lastClr="000000"/>
+                </a:solidFill>
+              </a:rPr>
+              <a:t>[type] </a:t>
+            </a:r>
+          </a:p>
+          <a:p>
+            <a:pPr algn="ctr">
+              <a:lnSpc>
+                <a:spcPct val="130000"/>
+              </a:lnSpc>
+            </a:pPr>
+            <a:r>
+              <a:rPr lang="ko-KR" altLang="en-US" sz="1600" dirty="0">
+                <a:solidFill>
+                  <a:sysClr val="windowText" lastClr="000000"/>
+                </a:solidFill>
+              </a:rPr>
+              <a:t>데이터를 가진 </a:t>
+            </a:r>
+            <a:r>
+              <a:rPr lang="ko-KR" altLang="en-US" sz="1600" dirty="0" err="1">
+                <a:solidFill>
+                  <a:sysClr val="windowText" lastClr="000000"/>
+                </a:solidFill>
+              </a:rPr>
+              <a:t>포켓몬들이</a:t>
+            </a:r>
+            <a:r>
+              <a:rPr lang="ko-KR" altLang="en-US" sz="1600" dirty="0">
+                <a:solidFill>
+                  <a:sysClr val="windowText" lastClr="000000"/>
+                </a:solidFill>
+              </a:rPr>
+              <a:t> </a:t>
+            </a:r>
+            <a:endParaRPr lang="en-US" altLang="ko-KR" sz="1600" dirty="0">
+              <a:solidFill>
+                <a:sysClr val="windowText" lastClr="000000"/>
+              </a:solidFill>
+            </a:endParaRPr>
+          </a:p>
+          <a:p>
+            <a:pPr algn="ctr">
+              <a:lnSpc>
+                <a:spcPct val="130000"/>
+              </a:lnSpc>
+            </a:pPr>
+            <a:r>
+              <a:rPr lang="ko-KR" altLang="en-US" sz="1600" dirty="0">
+                <a:solidFill>
+                  <a:sysClr val="windowText" lastClr="000000"/>
+                </a:solidFill>
+              </a:rPr>
+              <a:t>목록으로 표기</a:t>
+            </a:r>
+          </a:p>
+        </p:txBody>
+      </p:sp>
+      <p:sp>
+        <p:nvSpPr>
+          <p:cNvPr id="16" name="직사각형 15">
+            <a:extLst>
+              <a:ext uri="{FF2B5EF4-FFF2-40B4-BE49-F238E27FC236}">
+                <a16:creationId xmlns:a16="http://schemas.microsoft.com/office/drawing/2014/main" id="{1F29D904-A601-B990-2548-864FF4A043A2}"/>
+              </a:ext>
+            </a:extLst>
+          </p:cNvPr>
+          <p:cNvSpPr/>
+          <p:nvPr/>
+        </p:nvSpPr>
+        <p:spPr>
+          <a:xfrm>
+            <a:off x="4922972" y="3298126"/>
+            <a:ext cx="2508495" cy="786160"/>
+          </a:xfrm>
+          <a:prstGeom prst="rect">
+            <a:avLst/>
+          </a:prstGeom>
+          <a:solidFill>
+            <a:schemeClr val="accent4">
+              <a:lumMod val="20000"/>
+              <a:lumOff val="80000"/>
+            </a:schemeClr>
+          </a:solidFill>
+          <a:ln>
+            <a:noFill/>
+          </a:ln>
+        </p:spPr>
+        <p:style>
+          <a:lnRef idx="2">
+            <a:schemeClr val="accent1">
+              <a:shade val="15000"/>
+            </a:schemeClr>
+          </a:lnRef>
+          <a:fillRef idx="1">
+            <a:schemeClr val="accent1"/>
+          </a:fillRef>
+          <a:effectRef idx="0">
+            <a:schemeClr val="accent1"/>
+          </a:effectRef>
+          <a:fontRef idx="minor">
+            <a:schemeClr val="lt1"/>
+          </a:fontRef>
+        </p:style>
+        <p:txBody>
+          <a:bodyPr rtlCol="0" anchor="ctr"/>
+          <a:lstStyle/>
+          <a:p>
+            <a:pPr algn="ctr">
+              <a:lnSpc>
+                <a:spcPct val="130000"/>
+              </a:lnSpc>
+            </a:pPr>
+            <a:r>
+              <a:rPr lang="en-US" altLang="ko-KR" sz="1600" dirty="0">
+                <a:solidFill>
+                  <a:sysClr val="windowText" lastClr="000000"/>
+                </a:solidFill>
+              </a:rPr>
+              <a:t>new </a:t>
+            </a:r>
+            <a:r>
+              <a:rPr lang="en-US" altLang="ko-KR" sz="1600" dirty="0" err="1">
+                <a:solidFill>
+                  <a:sysClr val="windowText" lastClr="000000"/>
+                </a:solidFill>
+              </a:rPr>
+              <a:t>ListPoke</a:t>
+            </a:r>
+            <a:endParaRPr lang="en-US" altLang="ko-KR" sz="1600" dirty="0">
+              <a:solidFill>
+                <a:sysClr val="windowText" lastClr="000000"/>
+              </a:solidFill>
+            </a:endParaRPr>
+          </a:p>
+          <a:p>
+            <a:pPr algn="ctr">
+              <a:lnSpc>
+                <a:spcPct val="130000"/>
+              </a:lnSpc>
+            </a:pPr>
+            <a:r>
+              <a:rPr lang="en-US" altLang="ko-KR" sz="1600" dirty="0">
+                <a:solidFill>
+                  <a:sysClr val="windowText" lastClr="000000"/>
+                </a:solidFill>
+              </a:rPr>
+              <a:t>{(Name, Type)} </a:t>
+            </a:r>
+            <a:endParaRPr lang="ko-KR" altLang="en-US" sz="1600" dirty="0">
+              <a:solidFill>
+                <a:sysClr val="windowText" lastClr="000000"/>
+              </a:solidFill>
+            </a:endParaRPr>
+          </a:p>
+        </p:txBody>
+      </p:sp>
+      <p:sp>
+        <p:nvSpPr>
+          <p:cNvPr id="24" name="직사각형 23">
+            <a:extLst>
+              <a:ext uri="{FF2B5EF4-FFF2-40B4-BE49-F238E27FC236}">
+                <a16:creationId xmlns:a16="http://schemas.microsoft.com/office/drawing/2014/main" id="{2D230844-E747-B2CC-2EE0-7E2D40118E22}"/>
+              </a:ext>
+            </a:extLst>
+          </p:cNvPr>
+          <p:cNvSpPr/>
+          <p:nvPr/>
+        </p:nvSpPr>
+        <p:spPr>
+          <a:xfrm>
+            <a:off x="1868810" y="3015693"/>
+            <a:ext cx="651257" cy="930107"/>
+          </a:xfrm>
+          <a:prstGeom prst="rect">
+            <a:avLst/>
+          </a:prstGeom>
+          <a:noFill/>
+          <a:ln w="38100">
+            <a:solidFill>
+              <a:srgbClr val="9933FF"/>
+            </a:solidFill>
+            <a:prstDash val="sysDot"/>
+          </a:ln>
+        </p:spPr>
+        <p:style>
+          <a:lnRef idx="2">
+            <a:schemeClr val="accent1">
+              <a:shade val="15000"/>
+            </a:schemeClr>
+          </a:lnRef>
+          <a:fillRef idx="1">
+            <a:schemeClr val="accent1"/>
+          </a:fillRef>
+          <a:effectRef idx="0">
+            <a:schemeClr val="accent1"/>
+          </a:effectRef>
+          <a:fontRef idx="minor">
+            <a:schemeClr val="lt1"/>
+          </a:fontRef>
+        </p:style>
+        <p:txBody>
+          <a:bodyPr rtlCol="0" anchor="ctr"/>
+          <a:lstStyle/>
+          <a:p>
+            <a:pPr algn="ctr"/>
+            <a:endParaRPr lang="ko-KR" altLang="en-US"/>
+          </a:p>
+        </p:txBody>
+      </p:sp>
+      <p:cxnSp>
+        <p:nvCxnSpPr>
+          <p:cNvPr id="25" name="연결선: 꺾임 24">
+            <a:extLst>
+              <a:ext uri="{FF2B5EF4-FFF2-40B4-BE49-F238E27FC236}">
+                <a16:creationId xmlns:a16="http://schemas.microsoft.com/office/drawing/2014/main" id="{5410F4C2-F5A9-11FB-0A02-8E826030371B}"/>
+              </a:ext>
+            </a:extLst>
+          </p:cNvPr>
+          <p:cNvCxnSpPr>
+            <a:cxnSpLocks/>
+            <a:stCxn id="24" idx="2"/>
+          </p:cNvCxnSpPr>
+          <p:nvPr/>
+        </p:nvCxnSpPr>
+        <p:spPr>
+          <a:xfrm rot="5400000">
+            <a:off x="1477097" y="3650324"/>
+            <a:ext cx="421866" cy="1012818"/>
+          </a:xfrm>
+          <a:prstGeom prst="bentConnector3">
+            <a:avLst>
+              <a:gd name="adj1" fmla="val 50000"/>
+            </a:avLst>
+          </a:prstGeom>
+          <a:ln w="38100">
+            <a:solidFill>
+              <a:srgbClr val="9933FF"/>
+            </a:solidFill>
+            <a:prstDash val="sysDot"/>
+            <a:tailEnd type="triangle"/>
+          </a:ln>
+        </p:spPr>
+        <p:style>
+          <a:lnRef idx="1">
+            <a:schemeClr val="accent1"/>
+          </a:lnRef>
+          <a:fillRef idx="0">
+            <a:schemeClr val="accent1"/>
+          </a:fillRef>
+          <a:effectRef idx="0">
+            <a:schemeClr val="accent1"/>
+          </a:effectRef>
+          <a:fontRef idx="minor">
+            <a:schemeClr val="tx1"/>
+          </a:fontRef>
+        </p:style>
+      </p:cxnSp>
+    </p:spTree>
+    <p:extLst>
+      <p:ext uri="{BB962C8B-B14F-4D97-AF65-F5344CB8AC3E}">
+        <p14:creationId xmlns:p14="http://schemas.microsoft.com/office/powerpoint/2010/main" val="1371910775"/>
       </p:ext>
     </p:extLst>
   </p:cSld>
